--- a/presentation/Continual Learning on the Edge with TensorFlow Lite.pptx
+++ b/presentation/Continual Learning on the Edge with TensorFlow Lite.pptx
@@ -5,39 +5,45 @@
     <p:sldMasterId id="2147483648" r:id="rId1"/>
   </p:sldMasterIdLst>
   <p:notesMasterIdLst>
-    <p:notesMasterId r:id="rId10"/>
+    <p:notesMasterId r:id="rId16"/>
   </p:notesMasterIdLst>
   <p:sldIdLst>
     <p:sldId id="256" r:id="rId2"/>
     <p:sldId id="257" r:id="rId3"/>
     <p:sldId id="263" r:id="rId4"/>
-    <p:sldId id="258" r:id="rId5"/>
-    <p:sldId id="259" r:id="rId6"/>
-    <p:sldId id="261" r:id="rId7"/>
-    <p:sldId id="260" r:id="rId8"/>
-    <p:sldId id="262" r:id="rId9"/>
+    <p:sldId id="264" r:id="rId5"/>
+    <p:sldId id="258" r:id="rId6"/>
+    <p:sldId id="265" r:id="rId7"/>
+    <p:sldId id="266" r:id="rId8"/>
+    <p:sldId id="267" r:id="rId9"/>
+    <p:sldId id="259" r:id="rId10"/>
+    <p:sldId id="268" r:id="rId11"/>
+    <p:sldId id="269" r:id="rId12"/>
+    <p:sldId id="261" r:id="rId13"/>
+    <p:sldId id="260" r:id="rId14"/>
+    <p:sldId id="262" r:id="rId15"/>
   </p:sldIdLst>
   <p:sldSz cx="12192000" cy="6858000"/>
   <p:notesSz cx="6858000" cy="9144000"/>
   <p:embeddedFontLst>
     <p:embeddedFont>
       <p:font typeface="lato" panose="020F0502020204030203" pitchFamily="34" charset="0"/>
-      <p:regular r:id="rId11"/>
-      <p:bold r:id="rId12"/>
-      <p:italic r:id="rId13"/>
-      <p:boldItalic r:id="rId14"/>
+      <p:regular r:id="rId17"/>
+      <p:bold r:id="rId18"/>
+      <p:italic r:id="rId19"/>
+      <p:boldItalic r:id="rId20"/>
     </p:embeddedFont>
     <p:embeddedFont>
       <p:font typeface="lato" panose="020F0502020204030203" pitchFamily="34" charset="0"/>
-      <p:regular r:id="rId11"/>
-      <p:bold r:id="rId12"/>
-      <p:italic r:id="rId13"/>
-      <p:boldItalic r:id="rId14"/>
+      <p:regular r:id="rId17"/>
+      <p:bold r:id="rId18"/>
+      <p:italic r:id="rId19"/>
+      <p:boldItalic r:id="rId20"/>
     </p:embeddedFont>
     <p:embeddedFont>
       <p:font typeface="맑은 고딕" panose="020B0503020000020004" pitchFamily="50" charset="-127"/>
-      <p:regular r:id="rId15"/>
-      <p:bold r:id="rId16"/>
+      <p:regular r:id="rId21"/>
+      <p:bold r:id="rId22"/>
     </p:embeddedFont>
   </p:embeddedFontLst>
   <p:kinsoku lang="ko-KR" invalStChars="、。，．：；？！’”）〕］｝〉》」』】°℃％!%￠),.:;?]}&gt;" invalEndChars="‘“（〔［｛〈《「『【￥＄\￦￡€([{&lt;$"/>
@@ -277,7 +283,7 @@
           <a:p>
             <a:fld id="{3B653B65-7BB5-4D60-9879-5AFC8E04B446}" type="datetimeFigureOut">
               <a:rPr lang="ko-KR" altLang="en-US" smtClean="0"/>
-              <a:t>2022-01-02</a:t>
+              <a:t>2022-01-03</a:t>
             </a:fld>
             <a:endParaRPr lang="ko-KR" altLang="en-US"/>
           </a:p>
@@ -619,6 +625,90 @@
     <p:extLst>
       <p:ext uri="{BB962C8B-B14F-4D97-AF65-F5344CB8AC3E}">
         <p14:creationId xmlns:p14="http://schemas.microsoft.com/office/powerpoint/2010/main" val="2578997015"/>
+      </p:ext>
+    </p:extLst>
+  </p:cSld>
+  <p:clrMapOvr>
+    <a:masterClrMapping/>
+  </p:clrMapOvr>
+</p:notes>
+</file>
+
+<file path=ppt/notesSlides/notesSlide2.xml><?xml version="1.0" encoding="utf-8"?>
+<p:notes xmlns:a="http://schemas.openxmlformats.org/drawingml/2006/main" xmlns:r="http://schemas.openxmlformats.org/officeDocument/2006/relationships" xmlns:p="http://schemas.openxmlformats.org/presentationml/2006/main">
+  <p:cSld>
+    <p:spTree>
+      <p:nvGrpSpPr>
+        <p:cNvPr id="1" name=""/>
+        <p:cNvGrpSpPr/>
+        <p:nvPr/>
+      </p:nvGrpSpPr>
+      <p:grpSpPr>
+        <a:xfrm>
+          <a:off x="0" y="0"/>
+          <a:ext cx="0" cy="0"/>
+          <a:chOff x="0" y="0"/>
+          <a:chExt cx="0" cy="0"/>
+        </a:xfrm>
+      </p:grpSpPr>
+      <p:sp>
+        <p:nvSpPr>
+          <p:cNvPr id="2" name="슬라이드 이미지 개체 틀 1"/>
+          <p:cNvSpPr>
+            <a:spLocks noGrp="1" noRot="1" noChangeAspect="1"/>
+          </p:cNvSpPr>
+          <p:nvPr>
+            <p:ph type="sldImg"/>
+          </p:nvPr>
+        </p:nvSpPr>
+        <p:spPr/>
+      </p:sp>
+      <p:sp>
+        <p:nvSpPr>
+          <p:cNvPr id="3" name="슬라이드 노트 개체 틀 2"/>
+          <p:cNvSpPr>
+            <a:spLocks noGrp="1"/>
+          </p:cNvSpPr>
+          <p:nvPr>
+            <p:ph type="body" idx="1"/>
+          </p:nvPr>
+        </p:nvSpPr>
+        <p:spPr/>
+        <p:txBody>
+          <a:bodyPr/>
+          <a:lstStyle/>
+          <a:p>
+            <a:endParaRPr lang="ko-KR" altLang="en-US" dirty="0"/>
+          </a:p>
+        </p:txBody>
+      </p:sp>
+      <p:sp>
+        <p:nvSpPr>
+          <p:cNvPr id="4" name="슬라이드 번호 개체 틀 3"/>
+          <p:cNvSpPr>
+            <a:spLocks noGrp="1"/>
+          </p:cNvSpPr>
+          <p:nvPr>
+            <p:ph type="sldNum" sz="quarter" idx="5"/>
+          </p:nvPr>
+        </p:nvSpPr>
+        <p:spPr/>
+        <p:txBody>
+          <a:bodyPr/>
+          <a:lstStyle/>
+          <a:p>
+            <a:fld id="{2CB6E87F-228F-44B2-B4EE-9BD47B249A9D}" type="slidenum">
+              <a:rPr lang="ko-KR" altLang="en-US" smtClean="0"/>
+              <a:t>11</a:t>
+            </a:fld>
+            <a:endParaRPr lang="ko-KR" altLang="en-US"/>
+          </a:p>
+        </p:txBody>
+      </p:sp>
+    </p:spTree>
+    <p:extLst>
+      <p:ext uri="{BB962C8B-B14F-4D97-AF65-F5344CB8AC3E}">
+        <p14:creationId xmlns:p14="http://schemas.microsoft.com/office/powerpoint/2010/main" val="1244100780"/>
       </p:ext>
     </p:extLst>
   </p:cSld>
@@ -1885,6 +1975,961 @@
 </p:sld>
 </file>
 
+<file path=ppt/slides/slide10.xml><?xml version="1.0" encoding="utf-8"?>
+<p:sld xmlns:a="http://schemas.openxmlformats.org/drawingml/2006/main" xmlns:r="http://schemas.openxmlformats.org/officeDocument/2006/relationships" xmlns:p="http://schemas.openxmlformats.org/presentationml/2006/main">
+  <p:cSld>
+    <p:spTree>
+      <p:nvGrpSpPr>
+        <p:cNvPr id="1" name=""/>
+        <p:cNvGrpSpPr/>
+        <p:nvPr/>
+      </p:nvGrpSpPr>
+      <p:grpSpPr>
+        <a:xfrm>
+          <a:off x="0" y="0"/>
+          <a:ext cx="0" cy="0"/>
+          <a:chOff x="0" y="0"/>
+          <a:chExt cx="0" cy="0"/>
+        </a:xfrm>
+      </p:grpSpPr>
+      <p:sp>
+        <p:nvSpPr>
+          <p:cNvPr id="2" name="제목 1">
+            <a:extLst>
+              <a:ext uri="{FF2B5EF4-FFF2-40B4-BE49-F238E27FC236}">
+                <a16:creationId xmlns:a16="http://schemas.microsoft.com/office/drawing/2014/main" id="{69715DF3-A981-46B5-8191-6251423212E5}"/>
+              </a:ext>
+            </a:extLst>
+          </p:cNvPr>
+          <p:cNvSpPr>
+            <a:spLocks noGrp="1"/>
+          </p:cNvSpPr>
+          <p:nvPr>
+            <p:ph type="title"/>
+          </p:nvPr>
+        </p:nvSpPr>
+        <p:spPr/>
+        <p:txBody>
+          <a:bodyPr/>
+          <a:lstStyle/>
+          <a:p>
+            <a:r>
+              <a:rPr lang="en-US" altLang="ko-KR" dirty="0"/>
+              <a:t>Transfer Learning</a:t>
+            </a:r>
+            <a:endParaRPr lang="ko-KR" altLang="en-US" dirty="0"/>
+          </a:p>
+        </p:txBody>
+      </p:sp>
+      <p:sp>
+        <p:nvSpPr>
+          <p:cNvPr id="3" name="내용 개체 틀 2">
+            <a:extLst>
+              <a:ext uri="{FF2B5EF4-FFF2-40B4-BE49-F238E27FC236}">
+                <a16:creationId xmlns:a16="http://schemas.microsoft.com/office/drawing/2014/main" id="{8D25BD7B-0820-4556-94BE-FF6A21935229}"/>
+              </a:ext>
+            </a:extLst>
+          </p:cNvPr>
+          <p:cNvSpPr>
+            <a:spLocks noGrp="1"/>
+          </p:cNvSpPr>
+          <p:nvPr>
+            <p:ph idx="1"/>
+          </p:nvPr>
+        </p:nvSpPr>
+        <p:spPr/>
+        <p:txBody>
+          <a:bodyPr/>
+          <a:lstStyle/>
+          <a:p>
+            <a:r>
+              <a:rPr lang="ko-KR" altLang="en-US" dirty="0"/>
+              <a:t>전이학습은 이전에 학습된 지식을 통해 비슷한 문제를 해결하는 방식이다</a:t>
+            </a:r>
+            <a:r>
+              <a:rPr lang="en-US" altLang="ko-KR" dirty="0"/>
+              <a:t>. </a:t>
+            </a:r>
+          </a:p>
+          <a:p>
+            <a:r>
+              <a:rPr lang="ko-KR" altLang="en-US" dirty="0"/>
+              <a:t>모델은  </a:t>
+            </a:r>
+            <a:r>
+              <a:rPr lang="en-US" altLang="ko-KR" dirty="0"/>
+              <a:t>base</a:t>
+            </a:r>
+            <a:r>
+              <a:rPr lang="ko-KR" altLang="en-US" dirty="0"/>
+              <a:t>와 </a:t>
+            </a:r>
+            <a:r>
+              <a:rPr lang="en-US" altLang="ko-KR" dirty="0"/>
+              <a:t>head</a:t>
+            </a:r>
+            <a:r>
+              <a:rPr lang="ko-KR" altLang="en-US" dirty="0"/>
+              <a:t>로 나뉘어진다</a:t>
+            </a:r>
+            <a:r>
+              <a:rPr lang="en-US" altLang="ko-KR" dirty="0"/>
+              <a:t>.</a:t>
+            </a:r>
+          </a:p>
+          <a:p>
+            <a:pPr lvl="1"/>
+            <a:r>
+              <a:rPr lang="en-US" altLang="ko-KR" dirty="0"/>
+              <a:t>Base: </a:t>
+            </a:r>
+            <a:r>
+              <a:rPr lang="ko-KR" altLang="en-US" dirty="0"/>
+              <a:t>비슷한 문제를 해결하기 위해 미리 학습된 신경망</a:t>
+            </a:r>
+            <a:endParaRPr lang="en-US" altLang="ko-KR" dirty="0"/>
+          </a:p>
+          <a:p>
+            <a:pPr lvl="1"/>
+            <a:r>
+              <a:rPr lang="en-US" altLang="ko-KR" dirty="0"/>
+              <a:t>Head:</a:t>
+            </a:r>
+            <a:r>
+              <a:rPr lang="ko-KR" altLang="en-US" dirty="0"/>
+              <a:t> 간단한 </a:t>
+            </a:r>
+            <a:r>
+              <a:rPr lang="en-US" altLang="ko-KR" dirty="0"/>
+              <a:t>fully-connected layer, </a:t>
+            </a:r>
+            <a:r>
+              <a:rPr lang="en-US" altLang="ko-KR" dirty="0" err="1"/>
+              <a:t>softmax</a:t>
+            </a:r>
+            <a:r>
+              <a:rPr lang="en-US" altLang="ko-KR" dirty="0"/>
+              <a:t> activation </a:t>
+            </a:r>
+            <a:r>
+              <a:rPr lang="ko-KR" altLang="en-US" dirty="0"/>
+              <a:t>으로 이루어지며</a:t>
+            </a:r>
+            <a:r>
+              <a:rPr lang="en-US" altLang="ko-KR" dirty="0"/>
+              <a:t>, base </a:t>
+            </a:r>
+            <a:r>
+              <a:rPr lang="ko-KR" altLang="en-US" dirty="0"/>
+              <a:t>모델에서 추출한 특성을 사용하여 새로운 클래스를 학습하게 한다</a:t>
+            </a:r>
+            <a:r>
+              <a:rPr lang="en-US" altLang="ko-KR" dirty="0"/>
+              <a:t>. </a:t>
+            </a:r>
+          </a:p>
+          <a:p>
+            <a:r>
+              <a:rPr lang="en-US" altLang="ko-KR" dirty="0"/>
+              <a:t>TF Lite</a:t>
+            </a:r>
+            <a:r>
+              <a:rPr lang="ko-KR" altLang="en-US" dirty="0"/>
+              <a:t>는 현재 실험적인 전이학습 </a:t>
+            </a:r>
+            <a:r>
+              <a:rPr lang="en-US" altLang="ko-KR" dirty="0"/>
+              <a:t>API</a:t>
+            </a:r>
+            <a:r>
+              <a:rPr lang="ko-KR" altLang="en-US" dirty="0"/>
+              <a:t>를 제공하며</a:t>
+            </a:r>
+            <a:r>
+              <a:rPr lang="en-US" altLang="ko-KR" dirty="0"/>
+              <a:t>, </a:t>
+            </a:r>
+            <a:r>
+              <a:rPr lang="ko-KR" altLang="en-US" dirty="0"/>
+              <a:t>이 </a:t>
+            </a:r>
+            <a:r>
+              <a:rPr lang="en-US" altLang="ko-KR" dirty="0"/>
+              <a:t>API</a:t>
+            </a:r>
+            <a:r>
+              <a:rPr lang="ko-KR" altLang="en-US" dirty="0"/>
+              <a:t>를 통해 </a:t>
+            </a:r>
+            <a:r>
+              <a:rPr lang="en-US" altLang="ko-KR" dirty="0"/>
+              <a:t>head</a:t>
+            </a:r>
+            <a:r>
+              <a:rPr lang="ko-KR" altLang="en-US" dirty="0"/>
+              <a:t>의 신경망을 확장할 수 있다</a:t>
+            </a:r>
+            <a:r>
+              <a:rPr lang="en-US" altLang="ko-KR" dirty="0"/>
+              <a:t>. </a:t>
+            </a:r>
+          </a:p>
+        </p:txBody>
+      </p:sp>
+      <p:sp>
+        <p:nvSpPr>
+          <p:cNvPr id="4" name="슬라이드 번호 개체 틀 3">
+            <a:extLst>
+              <a:ext uri="{FF2B5EF4-FFF2-40B4-BE49-F238E27FC236}">
+                <a16:creationId xmlns:a16="http://schemas.microsoft.com/office/drawing/2014/main" id="{E17FBA2C-511A-428F-9FC0-40C12829B642}"/>
+              </a:ext>
+            </a:extLst>
+          </p:cNvPr>
+          <p:cNvSpPr>
+            <a:spLocks noGrp="1"/>
+          </p:cNvSpPr>
+          <p:nvPr>
+            <p:ph type="sldNum" sz="quarter" idx="4"/>
+          </p:nvPr>
+        </p:nvSpPr>
+        <p:spPr/>
+        <p:txBody>
+          <a:bodyPr/>
+          <a:lstStyle/>
+          <a:p>
+            <a:fld id="{765CECA1-5C9B-4693-A1BD-3F65156FCD02}" type="slidenum">
+              <a:rPr lang="ko-KR" altLang="en-US" smtClean="0"/>
+              <a:pPr/>
+              <a:t>10</a:t>
+            </a:fld>
+            <a:endParaRPr lang="ko-KR" altLang="en-US" dirty="0"/>
+          </a:p>
+        </p:txBody>
+      </p:sp>
+    </p:spTree>
+    <p:extLst>
+      <p:ext uri="{BB962C8B-B14F-4D97-AF65-F5344CB8AC3E}">
+        <p14:creationId xmlns:p14="http://schemas.microsoft.com/office/powerpoint/2010/main" val="536740809"/>
+      </p:ext>
+    </p:extLst>
+  </p:cSld>
+  <p:clrMapOvr>
+    <a:masterClrMapping/>
+  </p:clrMapOvr>
+</p:sld>
+</file>
+
+<file path=ppt/slides/slide11.xml><?xml version="1.0" encoding="utf-8"?>
+<p:sld xmlns:a="http://schemas.openxmlformats.org/drawingml/2006/main" xmlns:r="http://schemas.openxmlformats.org/officeDocument/2006/relationships" xmlns:p="http://schemas.openxmlformats.org/presentationml/2006/main">
+  <p:cSld>
+    <p:spTree>
+      <p:nvGrpSpPr>
+        <p:cNvPr id="1" name=""/>
+        <p:cNvGrpSpPr/>
+        <p:nvPr/>
+      </p:nvGrpSpPr>
+      <p:grpSpPr>
+        <a:xfrm>
+          <a:off x="0" y="0"/>
+          <a:ext cx="0" cy="0"/>
+          <a:chOff x="0" y="0"/>
+          <a:chExt cx="0" cy="0"/>
+        </a:xfrm>
+      </p:grpSpPr>
+      <p:sp>
+        <p:nvSpPr>
+          <p:cNvPr id="2" name="제목 1">
+            <a:extLst>
+              <a:ext uri="{FF2B5EF4-FFF2-40B4-BE49-F238E27FC236}">
+                <a16:creationId xmlns:a16="http://schemas.microsoft.com/office/drawing/2014/main" id="{137F6708-EE2E-439F-821A-9BCAF893AAFB}"/>
+              </a:ext>
+            </a:extLst>
+          </p:cNvPr>
+          <p:cNvSpPr>
+            <a:spLocks noGrp="1"/>
+          </p:cNvSpPr>
+          <p:nvPr>
+            <p:ph type="title"/>
+          </p:nvPr>
+        </p:nvSpPr>
+        <p:spPr/>
+        <p:txBody>
+          <a:bodyPr/>
+          <a:lstStyle/>
+          <a:p>
+            <a:r>
+              <a:rPr lang="en-US" altLang="ko-KR" dirty="0"/>
+              <a:t>Replay Buffer</a:t>
+            </a:r>
+            <a:endParaRPr lang="ko-KR" altLang="en-US" dirty="0"/>
+          </a:p>
+        </p:txBody>
+      </p:sp>
+      <p:sp>
+        <p:nvSpPr>
+          <p:cNvPr id="3" name="내용 개체 틀 2">
+            <a:extLst>
+              <a:ext uri="{FF2B5EF4-FFF2-40B4-BE49-F238E27FC236}">
+                <a16:creationId xmlns:a16="http://schemas.microsoft.com/office/drawing/2014/main" id="{6C6CDBC6-3302-41C0-8503-9ED0FF733845}"/>
+              </a:ext>
+            </a:extLst>
+          </p:cNvPr>
+          <p:cNvSpPr>
+            <a:spLocks noGrp="1"/>
+          </p:cNvSpPr>
+          <p:nvPr>
+            <p:ph idx="1"/>
+          </p:nvPr>
+        </p:nvSpPr>
+        <p:spPr/>
+        <p:txBody>
+          <a:bodyPr/>
+          <a:lstStyle/>
+          <a:p>
+            <a:r>
+              <a:rPr lang="en-US" altLang="ko-KR" dirty="0" err="1"/>
+              <a:t>sd</a:t>
+            </a:r>
+            <a:endParaRPr lang="ko-KR" altLang="en-US" dirty="0"/>
+          </a:p>
+        </p:txBody>
+      </p:sp>
+      <p:sp>
+        <p:nvSpPr>
+          <p:cNvPr id="4" name="슬라이드 번호 개체 틀 3">
+            <a:extLst>
+              <a:ext uri="{FF2B5EF4-FFF2-40B4-BE49-F238E27FC236}">
+                <a16:creationId xmlns:a16="http://schemas.microsoft.com/office/drawing/2014/main" id="{131A2512-7BE1-496F-BDCD-25F122AAC7DA}"/>
+              </a:ext>
+            </a:extLst>
+          </p:cNvPr>
+          <p:cNvSpPr>
+            <a:spLocks noGrp="1"/>
+          </p:cNvSpPr>
+          <p:nvPr>
+            <p:ph type="sldNum" sz="quarter" idx="4"/>
+          </p:nvPr>
+        </p:nvSpPr>
+        <p:spPr/>
+        <p:txBody>
+          <a:bodyPr/>
+          <a:lstStyle/>
+          <a:p>
+            <a:fld id="{765CECA1-5C9B-4693-A1BD-3F65156FCD02}" type="slidenum">
+              <a:rPr lang="ko-KR" altLang="en-US" smtClean="0"/>
+              <a:pPr/>
+              <a:t>11</a:t>
+            </a:fld>
+            <a:endParaRPr lang="ko-KR" altLang="en-US" dirty="0"/>
+          </a:p>
+        </p:txBody>
+      </p:sp>
+      <p:pic>
+        <p:nvPicPr>
+          <p:cNvPr id="8" name="그림 7">
+            <a:extLst>
+              <a:ext uri="{FF2B5EF4-FFF2-40B4-BE49-F238E27FC236}">
+                <a16:creationId xmlns:a16="http://schemas.microsoft.com/office/drawing/2014/main" id="{BC43AB56-D07C-457D-812B-2A447B20749B}"/>
+              </a:ext>
+            </a:extLst>
+          </p:cNvPr>
+          <p:cNvPicPr>
+            <a:picLocks noChangeAspect="1"/>
+          </p:cNvPicPr>
+          <p:nvPr/>
+        </p:nvPicPr>
+        <p:blipFill>
+          <a:blip r:embed="rId3"/>
+          <a:stretch>
+            <a:fillRect/>
+          </a:stretch>
+        </p:blipFill>
+        <p:spPr>
+          <a:xfrm>
+            <a:off x="5879705" y="866127"/>
+            <a:ext cx="5840668" cy="5575852"/>
+          </a:xfrm>
+          <a:prstGeom prst="rect">
+            <a:avLst/>
+          </a:prstGeom>
+        </p:spPr>
+      </p:pic>
+    </p:spTree>
+    <p:extLst>
+      <p:ext uri="{BB962C8B-B14F-4D97-AF65-F5344CB8AC3E}">
+        <p14:creationId xmlns:p14="http://schemas.microsoft.com/office/powerpoint/2010/main" val="161518860"/>
+      </p:ext>
+    </p:extLst>
+  </p:cSld>
+  <p:clrMapOvr>
+    <a:masterClrMapping/>
+  </p:clrMapOvr>
+</p:sld>
+</file>
+
+<file path=ppt/slides/slide12.xml><?xml version="1.0" encoding="utf-8"?>
+<p:sld xmlns:a="http://schemas.openxmlformats.org/drawingml/2006/main" xmlns:r="http://schemas.openxmlformats.org/officeDocument/2006/relationships" xmlns:p="http://schemas.openxmlformats.org/presentationml/2006/main">
+  <p:cSld>
+    <p:spTree>
+      <p:nvGrpSpPr>
+        <p:cNvPr id="1" name=""/>
+        <p:cNvGrpSpPr/>
+        <p:nvPr/>
+      </p:nvGrpSpPr>
+      <p:grpSpPr>
+        <a:xfrm>
+          <a:off x="0" y="0"/>
+          <a:ext cx="0" cy="0"/>
+          <a:chOff x="0" y="0"/>
+          <a:chExt cx="0" cy="0"/>
+        </a:xfrm>
+      </p:grpSpPr>
+      <p:sp>
+        <p:nvSpPr>
+          <p:cNvPr id="2" name="제목 1">
+            <a:extLst>
+              <a:ext uri="{FF2B5EF4-FFF2-40B4-BE49-F238E27FC236}">
+                <a16:creationId xmlns:a16="http://schemas.microsoft.com/office/drawing/2014/main" id="{3208F122-431F-4412-8E63-433C2293F69F}"/>
+              </a:ext>
+            </a:extLst>
+          </p:cNvPr>
+          <p:cNvSpPr>
+            <a:spLocks noGrp="1"/>
+          </p:cNvSpPr>
+          <p:nvPr>
+            <p:ph type="title"/>
+          </p:nvPr>
+        </p:nvSpPr>
+        <p:spPr/>
+        <p:txBody>
+          <a:bodyPr/>
+          <a:lstStyle/>
+          <a:p>
+            <a:r>
+              <a:rPr lang="en-US" altLang="ko-KR" dirty="0"/>
+              <a:t>Contents</a:t>
+            </a:r>
+            <a:endParaRPr lang="ko-KR" altLang="en-US" dirty="0"/>
+          </a:p>
+        </p:txBody>
+      </p:sp>
+      <p:sp>
+        <p:nvSpPr>
+          <p:cNvPr id="3" name="내용 개체 틀 2">
+            <a:extLst>
+              <a:ext uri="{FF2B5EF4-FFF2-40B4-BE49-F238E27FC236}">
+                <a16:creationId xmlns:a16="http://schemas.microsoft.com/office/drawing/2014/main" id="{158AE47C-D60C-4F33-AEE2-647CBAF7D740}"/>
+              </a:ext>
+            </a:extLst>
+          </p:cNvPr>
+          <p:cNvSpPr>
+            <a:spLocks noGrp="1"/>
+          </p:cNvSpPr>
+          <p:nvPr>
+            <p:ph idx="1"/>
+          </p:nvPr>
+        </p:nvSpPr>
+        <p:spPr/>
+        <p:txBody>
+          <a:bodyPr/>
+          <a:lstStyle/>
+          <a:p>
+            <a:r>
+              <a:rPr lang="en-US" altLang="ko-KR" dirty="0">
+                <a:solidFill>
+                  <a:schemeClr val="tx1">
+                    <a:lumMod val="40000"/>
+                    <a:lumOff val="60000"/>
+                  </a:schemeClr>
+                </a:solidFill>
+              </a:rPr>
+              <a:t>Abstract</a:t>
+            </a:r>
+          </a:p>
+          <a:p>
+            <a:r>
+              <a:rPr lang="en-US" altLang="ko-KR" dirty="0">
+                <a:solidFill>
+                  <a:schemeClr val="tx1">
+                    <a:lumMod val="40000"/>
+                    <a:lumOff val="60000"/>
+                  </a:schemeClr>
+                </a:solidFill>
+              </a:rPr>
+              <a:t>Introduction</a:t>
+            </a:r>
+          </a:p>
+          <a:p>
+            <a:r>
+              <a:rPr lang="en-US" altLang="ko-KR" dirty="0">
+                <a:solidFill>
+                  <a:schemeClr val="tx1">
+                    <a:lumMod val="40000"/>
+                    <a:lumOff val="60000"/>
+                  </a:schemeClr>
+                </a:solidFill>
+              </a:rPr>
+              <a:t>Background</a:t>
+            </a:r>
+          </a:p>
+          <a:p>
+            <a:r>
+              <a:rPr lang="en-US" altLang="ko-KR" dirty="0"/>
+              <a:t>Enhancing TF Lite Capabilities with Continual Learning</a:t>
+            </a:r>
+          </a:p>
+          <a:p>
+            <a:r>
+              <a:rPr lang="en-US" altLang="ko-KR" dirty="0">
+                <a:solidFill>
+                  <a:schemeClr val="tx1">
+                    <a:lumMod val="40000"/>
+                    <a:lumOff val="60000"/>
+                  </a:schemeClr>
+                </a:solidFill>
+              </a:rPr>
+              <a:t>Deploying on Embedded Devices with TF Lite</a:t>
+            </a:r>
+          </a:p>
+          <a:p>
+            <a:r>
+              <a:rPr lang="en-US" altLang="ko-KR" dirty="0">
+                <a:solidFill>
+                  <a:schemeClr val="tx1">
+                    <a:lumMod val="40000"/>
+                    <a:lumOff val="60000"/>
+                  </a:schemeClr>
+                </a:solidFill>
+              </a:rPr>
+              <a:t>Conclusion</a:t>
+            </a:r>
+            <a:endParaRPr lang="ko-KR" altLang="en-US" dirty="0">
+              <a:solidFill>
+                <a:schemeClr val="tx1">
+                  <a:lumMod val="40000"/>
+                  <a:lumOff val="60000"/>
+                </a:schemeClr>
+              </a:solidFill>
+            </a:endParaRPr>
+          </a:p>
+        </p:txBody>
+      </p:sp>
+      <p:sp>
+        <p:nvSpPr>
+          <p:cNvPr id="4" name="슬라이드 번호 개체 틀 3">
+            <a:extLst>
+              <a:ext uri="{FF2B5EF4-FFF2-40B4-BE49-F238E27FC236}">
+                <a16:creationId xmlns:a16="http://schemas.microsoft.com/office/drawing/2014/main" id="{4374A52E-F8FC-4C14-90F7-B297F49C50E6}"/>
+              </a:ext>
+            </a:extLst>
+          </p:cNvPr>
+          <p:cNvSpPr>
+            <a:spLocks noGrp="1"/>
+          </p:cNvSpPr>
+          <p:nvPr>
+            <p:ph type="sldNum" sz="quarter" idx="4"/>
+          </p:nvPr>
+        </p:nvSpPr>
+        <p:spPr/>
+        <p:txBody>
+          <a:bodyPr/>
+          <a:lstStyle/>
+          <a:p>
+            <a:fld id="{765CECA1-5C9B-4693-A1BD-3F65156FCD02}" type="slidenum">
+              <a:rPr lang="ko-KR" altLang="en-US" smtClean="0"/>
+              <a:pPr/>
+              <a:t>12</a:t>
+            </a:fld>
+            <a:endParaRPr lang="ko-KR" altLang="en-US" dirty="0"/>
+          </a:p>
+        </p:txBody>
+      </p:sp>
+    </p:spTree>
+    <p:extLst>
+      <p:ext uri="{BB962C8B-B14F-4D97-AF65-F5344CB8AC3E}">
+        <p14:creationId xmlns:p14="http://schemas.microsoft.com/office/powerpoint/2010/main" val="625736324"/>
+      </p:ext>
+    </p:extLst>
+  </p:cSld>
+  <p:clrMapOvr>
+    <a:masterClrMapping/>
+  </p:clrMapOvr>
+</p:sld>
+</file>
+
+<file path=ppt/slides/slide13.xml><?xml version="1.0" encoding="utf-8"?>
+<p:sld xmlns:a="http://schemas.openxmlformats.org/drawingml/2006/main" xmlns:r="http://schemas.openxmlformats.org/officeDocument/2006/relationships" xmlns:p="http://schemas.openxmlformats.org/presentationml/2006/main">
+  <p:cSld>
+    <p:spTree>
+      <p:nvGrpSpPr>
+        <p:cNvPr id="1" name=""/>
+        <p:cNvGrpSpPr/>
+        <p:nvPr/>
+      </p:nvGrpSpPr>
+      <p:grpSpPr>
+        <a:xfrm>
+          <a:off x="0" y="0"/>
+          <a:ext cx="0" cy="0"/>
+          <a:chOff x="0" y="0"/>
+          <a:chExt cx="0" cy="0"/>
+        </a:xfrm>
+      </p:grpSpPr>
+      <p:sp>
+        <p:nvSpPr>
+          <p:cNvPr id="2" name="제목 1">
+            <a:extLst>
+              <a:ext uri="{FF2B5EF4-FFF2-40B4-BE49-F238E27FC236}">
+                <a16:creationId xmlns:a16="http://schemas.microsoft.com/office/drawing/2014/main" id="{3208F122-431F-4412-8E63-433C2293F69F}"/>
+              </a:ext>
+            </a:extLst>
+          </p:cNvPr>
+          <p:cNvSpPr>
+            <a:spLocks noGrp="1"/>
+          </p:cNvSpPr>
+          <p:nvPr>
+            <p:ph type="title"/>
+          </p:nvPr>
+        </p:nvSpPr>
+        <p:spPr/>
+        <p:txBody>
+          <a:bodyPr/>
+          <a:lstStyle/>
+          <a:p>
+            <a:r>
+              <a:rPr lang="en-US" altLang="ko-KR" dirty="0"/>
+              <a:t>Contents</a:t>
+            </a:r>
+            <a:endParaRPr lang="ko-KR" altLang="en-US" dirty="0"/>
+          </a:p>
+        </p:txBody>
+      </p:sp>
+      <p:sp>
+        <p:nvSpPr>
+          <p:cNvPr id="3" name="내용 개체 틀 2">
+            <a:extLst>
+              <a:ext uri="{FF2B5EF4-FFF2-40B4-BE49-F238E27FC236}">
+                <a16:creationId xmlns:a16="http://schemas.microsoft.com/office/drawing/2014/main" id="{158AE47C-D60C-4F33-AEE2-647CBAF7D740}"/>
+              </a:ext>
+            </a:extLst>
+          </p:cNvPr>
+          <p:cNvSpPr>
+            <a:spLocks noGrp="1"/>
+          </p:cNvSpPr>
+          <p:nvPr>
+            <p:ph idx="1"/>
+          </p:nvPr>
+        </p:nvSpPr>
+        <p:spPr/>
+        <p:txBody>
+          <a:bodyPr/>
+          <a:lstStyle/>
+          <a:p>
+            <a:r>
+              <a:rPr lang="en-US" altLang="ko-KR" dirty="0">
+                <a:solidFill>
+                  <a:schemeClr val="tx1">
+                    <a:lumMod val="40000"/>
+                    <a:lumOff val="60000"/>
+                  </a:schemeClr>
+                </a:solidFill>
+              </a:rPr>
+              <a:t>Abstract</a:t>
+            </a:r>
+          </a:p>
+          <a:p>
+            <a:r>
+              <a:rPr lang="en-US" altLang="ko-KR" dirty="0">
+                <a:solidFill>
+                  <a:schemeClr val="tx1">
+                    <a:lumMod val="40000"/>
+                    <a:lumOff val="60000"/>
+                  </a:schemeClr>
+                </a:solidFill>
+              </a:rPr>
+              <a:t>Introduction</a:t>
+            </a:r>
+          </a:p>
+          <a:p>
+            <a:r>
+              <a:rPr lang="en-US" altLang="ko-KR" dirty="0">
+                <a:solidFill>
+                  <a:schemeClr val="tx1">
+                    <a:lumMod val="40000"/>
+                    <a:lumOff val="60000"/>
+                  </a:schemeClr>
+                </a:solidFill>
+              </a:rPr>
+              <a:t>Background</a:t>
+            </a:r>
+          </a:p>
+          <a:p>
+            <a:r>
+              <a:rPr lang="en-US" altLang="ko-KR" dirty="0">
+                <a:solidFill>
+                  <a:schemeClr val="tx1">
+                    <a:lumMod val="40000"/>
+                    <a:lumOff val="60000"/>
+                  </a:schemeClr>
+                </a:solidFill>
+              </a:rPr>
+              <a:t>Enhancing TF Lite Capabilities with Continual Learning</a:t>
+            </a:r>
+          </a:p>
+          <a:p>
+            <a:r>
+              <a:rPr lang="en-US" altLang="ko-KR" dirty="0"/>
+              <a:t>Deploying on Embedded Devices with TF Lite</a:t>
+            </a:r>
+          </a:p>
+          <a:p>
+            <a:r>
+              <a:rPr lang="en-US" altLang="ko-KR" dirty="0">
+                <a:solidFill>
+                  <a:schemeClr val="tx1">
+                    <a:lumMod val="40000"/>
+                    <a:lumOff val="60000"/>
+                  </a:schemeClr>
+                </a:solidFill>
+              </a:rPr>
+              <a:t>Conclusion</a:t>
+            </a:r>
+            <a:endParaRPr lang="ko-KR" altLang="en-US" dirty="0">
+              <a:solidFill>
+                <a:schemeClr val="tx1">
+                  <a:lumMod val="40000"/>
+                  <a:lumOff val="60000"/>
+                </a:schemeClr>
+              </a:solidFill>
+            </a:endParaRPr>
+          </a:p>
+        </p:txBody>
+      </p:sp>
+      <p:sp>
+        <p:nvSpPr>
+          <p:cNvPr id="4" name="슬라이드 번호 개체 틀 3">
+            <a:extLst>
+              <a:ext uri="{FF2B5EF4-FFF2-40B4-BE49-F238E27FC236}">
+                <a16:creationId xmlns:a16="http://schemas.microsoft.com/office/drawing/2014/main" id="{4374A52E-F8FC-4C14-90F7-B297F49C50E6}"/>
+              </a:ext>
+            </a:extLst>
+          </p:cNvPr>
+          <p:cNvSpPr>
+            <a:spLocks noGrp="1"/>
+          </p:cNvSpPr>
+          <p:nvPr>
+            <p:ph type="sldNum" sz="quarter" idx="4"/>
+          </p:nvPr>
+        </p:nvSpPr>
+        <p:spPr/>
+        <p:txBody>
+          <a:bodyPr/>
+          <a:lstStyle/>
+          <a:p>
+            <a:fld id="{765CECA1-5C9B-4693-A1BD-3F65156FCD02}" type="slidenum">
+              <a:rPr lang="ko-KR" altLang="en-US" smtClean="0"/>
+              <a:pPr/>
+              <a:t>13</a:t>
+            </a:fld>
+            <a:endParaRPr lang="ko-KR" altLang="en-US" dirty="0"/>
+          </a:p>
+        </p:txBody>
+      </p:sp>
+    </p:spTree>
+    <p:extLst>
+      <p:ext uri="{BB962C8B-B14F-4D97-AF65-F5344CB8AC3E}">
+        <p14:creationId xmlns:p14="http://schemas.microsoft.com/office/powerpoint/2010/main" val="2887151323"/>
+      </p:ext>
+    </p:extLst>
+  </p:cSld>
+  <p:clrMapOvr>
+    <a:masterClrMapping/>
+  </p:clrMapOvr>
+</p:sld>
+</file>
+
+<file path=ppt/slides/slide14.xml><?xml version="1.0" encoding="utf-8"?>
+<p:sld xmlns:a="http://schemas.openxmlformats.org/drawingml/2006/main" xmlns:r="http://schemas.openxmlformats.org/officeDocument/2006/relationships" xmlns:p="http://schemas.openxmlformats.org/presentationml/2006/main">
+  <p:cSld>
+    <p:spTree>
+      <p:nvGrpSpPr>
+        <p:cNvPr id="1" name=""/>
+        <p:cNvGrpSpPr/>
+        <p:nvPr/>
+      </p:nvGrpSpPr>
+      <p:grpSpPr>
+        <a:xfrm>
+          <a:off x="0" y="0"/>
+          <a:ext cx="0" cy="0"/>
+          <a:chOff x="0" y="0"/>
+          <a:chExt cx="0" cy="0"/>
+        </a:xfrm>
+      </p:grpSpPr>
+      <p:sp>
+        <p:nvSpPr>
+          <p:cNvPr id="2" name="제목 1">
+            <a:extLst>
+              <a:ext uri="{FF2B5EF4-FFF2-40B4-BE49-F238E27FC236}">
+                <a16:creationId xmlns:a16="http://schemas.microsoft.com/office/drawing/2014/main" id="{3208F122-431F-4412-8E63-433C2293F69F}"/>
+              </a:ext>
+            </a:extLst>
+          </p:cNvPr>
+          <p:cNvSpPr>
+            <a:spLocks noGrp="1"/>
+          </p:cNvSpPr>
+          <p:nvPr>
+            <p:ph type="title"/>
+          </p:nvPr>
+        </p:nvSpPr>
+        <p:spPr/>
+        <p:txBody>
+          <a:bodyPr/>
+          <a:lstStyle/>
+          <a:p>
+            <a:r>
+              <a:rPr lang="en-US" altLang="ko-KR" dirty="0"/>
+              <a:t>Contents</a:t>
+            </a:r>
+            <a:endParaRPr lang="ko-KR" altLang="en-US" dirty="0"/>
+          </a:p>
+        </p:txBody>
+      </p:sp>
+      <p:sp>
+        <p:nvSpPr>
+          <p:cNvPr id="3" name="내용 개체 틀 2">
+            <a:extLst>
+              <a:ext uri="{FF2B5EF4-FFF2-40B4-BE49-F238E27FC236}">
+                <a16:creationId xmlns:a16="http://schemas.microsoft.com/office/drawing/2014/main" id="{158AE47C-D60C-4F33-AEE2-647CBAF7D740}"/>
+              </a:ext>
+            </a:extLst>
+          </p:cNvPr>
+          <p:cNvSpPr>
+            <a:spLocks noGrp="1"/>
+          </p:cNvSpPr>
+          <p:nvPr>
+            <p:ph idx="1"/>
+          </p:nvPr>
+        </p:nvSpPr>
+        <p:spPr/>
+        <p:txBody>
+          <a:bodyPr/>
+          <a:lstStyle/>
+          <a:p>
+            <a:r>
+              <a:rPr lang="en-US" altLang="ko-KR" dirty="0">
+                <a:solidFill>
+                  <a:schemeClr val="tx1">
+                    <a:lumMod val="40000"/>
+                    <a:lumOff val="60000"/>
+                  </a:schemeClr>
+                </a:solidFill>
+              </a:rPr>
+              <a:t>Abstract</a:t>
+            </a:r>
+          </a:p>
+          <a:p>
+            <a:r>
+              <a:rPr lang="en-US" altLang="ko-KR" dirty="0">
+                <a:solidFill>
+                  <a:schemeClr val="tx1">
+                    <a:lumMod val="40000"/>
+                    <a:lumOff val="60000"/>
+                  </a:schemeClr>
+                </a:solidFill>
+              </a:rPr>
+              <a:t>Introduction</a:t>
+            </a:r>
+          </a:p>
+          <a:p>
+            <a:r>
+              <a:rPr lang="en-US" altLang="ko-KR" dirty="0">
+                <a:solidFill>
+                  <a:schemeClr val="tx1">
+                    <a:lumMod val="40000"/>
+                    <a:lumOff val="60000"/>
+                  </a:schemeClr>
+                </a:solidFill>
+              </a:rPr>
+              <a:t>Background</a:t>
+            </a:r>
+          </a:p>
+          <a:p>
+            <a:r>
+              <a:rPr lang="en-US" altLang="ko-KR" dirty="0">
+                <a:solidFill>
+                  <a:schemeClr val="tx1">
+                    <a:lumMod val="40000"/>
+                    <a:lumOff val="60000"/>
+                  </a:schemeClr>
+                </a:solidFill>
+              </a:rPr>
+              <a:t>Enhancing TF Lite Capabilities with Continual Learning</a:t>
+            </a:r>
+          </a:p>
+          <a:p>
+            <a:r>
+              <a:rPr lang="en-US" altLang="ko-KR" dirty="0">
+                <a:solidFill>
+                  <a:schemeClr val="tx1">
+                    <a:lumMod val="40000"/>
+                    <a:lumOff val="60000"/>
+                  </a:schemeClr>
+                </a:solidFill>
+              </a:rPr>
+              <a:t>Deploying on Embedded Devices with TF Lite</a:t>
+            </a:r>
+          </a:p>
+          <a:p>
+            <a:r>
+              <a:rPr lang="en-US" altLang="ko-KR" dirty="0"/>
+              <a:t>Conclusion</a:t>
+            </a:r>
+            <a:endParaRPr lang="ko-KR" altLang="en-US" dirty="0"/>
+          </a:p>
+        </p:txBody>
+      </p:sp>
+      <p:sp>
+        <p:nvSpPr>
+          <p:cNvPr id="4" name="슬라이드 번호 개체 틀 3">
+            <a:extLst>
+              <a:ext uri="{FF2B5EF4-FFF2-40B4-BE49-F238E27FC236}">
+                <a16:creationId xmlns:a16="http://schemas.microsoft.com/office/drawing/2014/main" id="{4374A52E-F8FC-4C14-90F7-B297F49C50E6}"/>
+              </a:ext>
+            </a:extLst>
+          </p:cNvPr>
+          <p:cNvSpPr>
+            <a:spLocks noGrp="1"/>
+          </p:cNvSpPr>
+          <p:nvPr>
+            <p:ph type="sldNum" sz="quarter" idx="4"/>
+          </p:nvPr>
+        </p:nvSpPr>
+        <p:spPr/>
+        <p:txBody>
+          <a:bodyPr/>
+          <a:lstStyle/>
+          <a:p>
+            <a:fld id="{765CECA1-5C9B-4693-A1BD-3F65156FCD02}" type="slidenum">
+              <a:rPr lang="ko-KR" altLang="en-US" smtClean="0"/>
+              <a:pPr/>
+              <a:t>14</a:t>
+            </a:fld>
+            <a:endParaRPr lang="ko-KR" altLang="en-US" dirty="0"/>
+          </a:p>
+        </p:txBody>
+      </p:sp>
+    </p:spTree>
+    <p:extLst>
+      <p:ext uri="{BB962C8B-B14F-4D97-AF65-F5344CB8AC3E}">
+        <p14:creationId xmlns:p14="http://schemas.microsoft.com/office/powerpoint/2010/main" val="4097164862"/>
+      </p:ext>
+    </p:extLst>
+  </p:cSld>
+  <p:clrMapOvr>
+    <a:masterClrMapping/>
+  </p:clrMapOvr>
+</p:sld>
+</file>
+
 <file path=ppt/slides/slide2.xml><?xml version="1.0" encoding="utf-8"?>
 <p:sld xmlns:a="http://schemas.openxmlformats.org/drawingml/2006/main" xmlns:r="http://schemas.openxmlformats.org/officeDocument/2006/relationships" xmlns:p="http://schemas.openxmlformats.org/presentationml/2006/main">
   <p:cSld>
@@ -2176,6 +3221,48 @@
             <a:endParaRPr lang="en-US" altLang="ko-KR" dirty="0"/>
           </a:p>
           <a:p>
+            <a:r>
+              <a:rPr lang="ko-KR" altLang="en-US" dirty="0"/>
+              <a:t>이를 해결하기 위해 </a:t>
+            </a:r>
+            <a:r>
+              <a:rPr lang="en-US" altLang="ko-KR" dirty="0"/>
+              <a:t>TF Lite</a:t>
+            </a:r>
+            <a:r>
+              <a:rPr lang="ko-KR" altLang="en-US" dirty="0"/>
+              <a:t>는 전이학습 </a:t>
+            </a:r>
+            <a:r>
+              <a:rPr lang="en-US" altLang="ko-KR" dirty="0"/>
+              <a:t>API </a:t>
+            </a:r>
+            <a:r>
+              <a:rPr lang="ko-KR" altLang="en-US" dirty="0"/>
+              <a:t>를</a:t>
+            </a:r>
+            <a:r>
+              <a:rPr lang="en-US" altLang="ko-KR" dirty="0"/>
+              <a:t> </a:t>
+            </a:r>
+            <a:r>
+              <a:rPr lang="ko-KR" altLang="en-US" dirty="0"/>
+              <a:t>내장해서 </a:t>
+            </a:r>
+            <a:r>
+              <a:rPr lang="en-US" altLang="ko-KR" dirty="0"/>
+              <a:t>On-Device </a:t>
+            </a:r>
+            <a:r>
+              <a:rPr lang="ko-KR" altLang="en-US" dirty="0"/>
+              <a:t>학습에 대한 접근을 하고 있다</a:t>
+            </a:r>
+            <a:r>
+              <a:rPr lang="en-US" altLang="ko-KR" dirty="0"/>
+              <a:t>.</a:t>
+            </a:r>
+          </a:p>
+          <a:p>
             <a:pPr lvl="1"/>
             <a:endParaRPr lang="ko-KR" altLang="en-US" dirty="0"/>
           </a:p>
@@ -2246,7 +3333,7 @@
           <p:cNvPr id="2" name="제목 1">
             <a:extLst>
               <a:ext uri="{FF2B5EF4-FFF2-40B4-BE49-F238E27FC236}">
-                <a16:creationId xmlns:a16="http://schemas.microsoft.com/office/drawing/2014/main" id="{3208F122-431F-4412-8E63-433C2293F69F}"/>
+                <a16:creationId xmlns:a16="http://schemas.microsoft.com/office/drawing/2014/main" id="{831552F5-DE25-4E71-9203-EA1139CBD451}"/>
               </a:ext>
             </a:extLst>
           </p:cNvPr>
@@ -2264,7 +3351,7 @@
           <a:p>
             <a:r>
               <a:rPr lang="en-US" altLang="ko-KR" dirty="0"/>
-              <a:t>Contents</a:t>
+              <a:t>Abstract</a:t>
             </a:r>
             <a:endParaRPr lang="ko-KR" altLang="en-US" dirty="0"/>
           </a:p>
@@ -2275,7 +3362,7 @@
           <p:cNvPr id="3" name="내용 개체 틀 2">
             <a:extLst>
               <a:ext uri="{FF2B5EF4-FFF2-40B4-BE49-F238E27FC236}">
-                <a16:creationId xmlns:a16="http://schemas.microsoft.com/office/drawing/2014/main" id="{158AE47C-D60C-4F33-AEE2-647CBAF7D740}"/>
+                <a16:creationId xmlns:a16="http://schemas.microsoft.com/office/drawing/2014/main" id="{479AE44E-03CE-4954-882F-A79B91C8945B}"/>
               </a:ext>
             </a:extLst>
           </p:cNvPr>
@@ -2292,82 +3379,76 @@
           <a:lstStyle/>
           <a:p>
             <a:r>
-              <a:rPr lang="en-US" altLang="ko-KR" dirty="0">
-                <a:solidFill>
-                  <a:schemeClr val="tx1">
-                    <a:lumMod val="40000"/>
-                    <a:lumOff val="60000"/>
-                  </a:schemeClr>
-                </a:solidFill>
-              </a:rPr>
-              <a:t>Abstract</a:t>
-            </a:r>
-          </a:p>
-          <a:p>
-            <a:r>
-              <a:rPr lang="en-US" altLang="ko-KR" dirty="0"/>
-              <a:t>Introduction</a:t>
-            </a:r>
-          </a:p>
-          <a:p>
-            <a:r>
-              <a:rPr lang="en-US" altLang="ko-KR" dirty="0">
-                <a:solidFill>
-                  <a:schemeClr val="tx1">
-                    <a:lumMod val="40000"/>
-                    <a:lumOff val="60000"/>
-                  </a:schemeClr>
-                </a:solidFill>
-              </a:rPr>
-              <a:t>Background</a:t>
-            </a:r>
-          </a:p>
-          <a:p>
-            <a:r>
-              <a:rPr lang="en-US" altLang="ko-KR" dirty="0">
-                <a:solidFill>
-                  <a:schemeClr val="tx1">
-                    <a:lumMod val="40000"/>
-                    <a:lumOff val="60000"/>
-                  </a:schemeClr>
-                </a:solidFill>
-              </a:rPr>
-              <a:t>Enhancing TF Lite Capabilities with Continual Learning</a:t>
-            </a:r>
-          </a:p>
-          <a:p>
-            <a:r>
-              <a:rPr lang="en-US" altLang="ko-KR" dirty="0">
-                <a:solidFill>
-                  <a:schemeClr val="tx1">
-                    <a:lumMod val="40000"/>
-                    <a:lumOff val="60000"/>
-                  </a:schemeClr>
-                </a:solidFill>
-              </a:rPr>
-              <a:t>Deploying on Embedded Devices with TF Lite</a:t>
-            </a:r>
-          </a:p>
-          <a:p>
-            <a:r>
-              <a:rPr lang="en-US" altLang="ko-KR" dirty="0">
-                <a:solidFill>
-                  <a:schemeClr val="tx1">
-                    <a:lumMod val="40000"/>
-                    <a:lumOff val="60000"/>
-                  </a:schemeClr>
-                </a:solidFill>
-              </a:rPr>
-              <a:t>Conclusion</a:t>
-            </a:r>
-            <a:endParaRPr lang="ko-KR" altLang="en-US" dirty="0">
-              <a:solidFill>
-                <a:schemeClr val="tx1">
-                  <a:lumMod val="40000"/>
-                  <a:lumOff val="60000"/>
-                </a:schemeClr>
-              </a:solidFill>
-            </a:endParaRPr>
+              <a:rPr lang="ko-KR" altLang="en-US" dirty="0"/>
+              <a:t>본 논문에서는 전이학습이 </a:t>
+            </a:r>
+            <a:r>
+              <a:rPr lang="en-US" altLang="ko-KR" dirty="0"/>
+              <a:t>catastrophic forgetting</a:t>
+            </a:r>
+            <a:r>
+              <a:rPr lang="ko-KR" altLang="en-US" dirty="0"/>
+              <a:t> 문제를 겪고 있음을 보여준다</a:t>
+            </a:r>
+            <a:r>
+              <a:rPr lang="en-US" altLang="ko-KR" dirty="0"/>
+              <a:t>.</a:t>
+            </a:r>
+          </a:p>
+          <a:p>
+            <a:r>
+              <a:rPr lang="ko-KR" altLang="en-US" dirty="0"/>
+              <a:t>또</a:t>
+            </a:r>
+            <a:r>
+              <a:rPr lang="en-US" altLang="ko-KR" dirty="0"/>
+              <a:t>, </a:t>
+            </a:r>
+            <a:r>
+              <a:rPr lang="ko-KR" altLang="en-US" dirty="0"/>
+              <a:t>이를 해결하기 위해 </a:t>
+            </a:r>
+            <a:r>
+              <a:rPr lang="en-US" altLang="ko-KR" dirty="0"/>
+              <a:t>TF</a:t>
+            </a:r>
+            <a:r>
+              <a:rPr lang="ko-KR" altLang="en-US" dirty="0"/>
+              <a:t> </a:t>
+            </a:r>
+            <a:r>
+              <a:rPr lang="en-US" altLang="ko-KR" dirty="0"/>
+              <a:t>Lite</a:t>
+            </a:r>
+            <a:r>
+              <a:rPr lang="ko-KR" altLang="en-US" dirty="0"/>
+              <a:t> 라이브러리 확장을 통해 </a:t>
+            </a:r>
+            <a:r>
+              <a:rPr lang="en-US" altLang="ko-KR" dirty="0"/>
+              <a:t>continual learning</a:t>
+            </a:r>
+            <a:r>
+              <a:rPr lang="ko-KR" altLang="en-US" dirty="0"/>
+              <a:t>을 구현하여 파괴적 망각이 해결됨을 나타낸다</a:t>
+            </a:r>
+            <a:r>
+              <a:rPr lang="en-US" altLang="ko-KR" dirty="0"/>
+              <a:t>. </a:t>
+            </a:r>
+          </a:p>
+          <a:p>
+            <a:r>
+              <a:rPr lang="ko-KR" altLang="en-US" dirty="0"/>
+              <a:t>마지막으로 해당 예제 어플리케이션의 소스코드를 공개한다</a:t>
+            </a:r>
+            <a:r>
+              <a:rPr lang="en-US" altLang="ko-KR" dirty="0"/>
+              <a:t>.</a:t>
+            </a:r>
+          </a:p>
+          <a:p>
+            <a:endParaRPr lang="ko-KR" altLang="en-US" dirty="0"/>
           </a:p>
         </p:txBody>
       </p:sp>
@@ -2376,7 +3457,7 @@
           <p:cNvPr id="4" name="슬라이드 번호 개체 틀 3">
             <a:extLst>
               <a:ext uri="{FF2B5EF4-FFF2-40B4-BE49-F238E27FC236}">
-                <a16:creationId xmlns:a16="http://schemas.microsoft.com/office/drawing/2014/main" id="{4374A52E-F8FC-4C14-90F7-B297F49C50E6}"/>
+                <a16:creationId xmlns:a16="http://schemas.microsoft.com/office/drawing/2014/main" id="{D6FA7B0F-3557-4B15-A296-9AD572FBC6CB}"/>
               </a:ext>
             </a:extLst>
           </p:cNvPr>
@@ -2404,7 +3485,7 @@
     </p:spTree>
     <p:extLst>
       <p:ext uri="{BB962C8B-B14F-4D97-AF65-F5344CB8AC3E}">
-        <p14:creationId xmlns:p14="http://schemas.microsoft.com/office/powerpoint/2010/main" val="54724292"/>
+        <p14:creationId xmlns:p14="http://schemas.microsoft.com/office/powerpoint/2010/main" val="256314348"/>
       </p:ext>
     </p:extLst>
   </p:cSld>
@@ -2495,6 +3576,12 @@
           </a:p>
           <a:p>
             <a:r>
+              <a:rPr lang="en-US" altLang="ko-KR" dirty="0"/>
+              <a:t>Introduction</a:t>
+            </a:r>
+          </a:p>
+          <a:p>
+            <a:r>
               <a:rPr lang="en-US" altLang="ko-KR" dirty="0">
                 <a:solidFill>
                   <a:schemeClr val="tx1">
@@ -2503,12 +3590,6 @@
                   </a:schemeClr>
                 </a:solidFill>
               </a:rPr>
-              <a:t>Introduction</a:t>
-            </a:r>
-          </a:p>
-          <a:p>
-            <a:r>
-              <a:rPr lang="en-US" altLang="ko-KR" dirty="0"/>
               <a:t>Background</a:t>
             </a:r>
           </a:p>
@@ -2594,7 +3675,7 @@
     </p:spTree>
     <p:extLst>
       <p:ext uri="{BB962C8B-B14F-4D97-AF65-F5344CB8AC3E}">
-        <p14:creationId xmlns:p14="http://schemas.microsoft.com/office/powerpoint/2010/main" val="1546285156"/>
+        <p14:creationId xmlns:p14="http://schemas.microsoft.com/office/powerpoint/2010/main" val="54724292"/>
       </p:ext>
     </p:extLst>
   </p:cSld>
@@ -2626,7 +3707,7 @@
           <p:cNvPr id="2" name="제목 1">
             <a:extLst>
               <a:ext uri="{FF2B5EF4-FFF2-40B4-BE49-F238E27FC236}">
-                <a16:creationId xmlns:a16="http://schemas.microsoft.com/office/drawing/2014/main" id="{3208F122-431F-4412-8E63-433C2293F69F}"/>
+                <a16:creationId xmlns:a16="http://schemas.microsoft.com/office/drawing/2014/main" id="{A1F5D837-9D10-4153-B406-E3ED534A2176}"/>
               </a:ext>
             </a:extLst>
           </p:cNvPr>
@@ -2644,7 +3725,7 @@
           <a:p>
             <a:r>
               <a:rPr lang="en-US" altLang="ko-KR" dirty="0"/>
-              <a:t>Contents</a:t>
+              <a:t>Transfer Learning</a:t>
             </a:r>
             <a:endParaRPr lang="ko-KR" altLang="en-US" dirty="0"/>
           </a:p>
@@ -2655,7 +3736,7 @@
           <p:cNvPr id="3" name="내용 개체 틀 2">
             <a:extLst>
               <a:ext uri="{FF2B5EF4-FFF2-40B4-BE49-F238E27FC236}">
-                <a16:creationId xmlns:a16="http://schemas.microsoft.com/office/drawing/2014/main" id="{158AE47C-D60C-4F33-AEE2-647CBAF7D740}"/>
+                <a16:creationId xmlns:a16="http://schemas.microsoft.com/office/drawing/2014/main" id="{68AB66A9-FFB7-46CB-B43E-61FA8F3FB709}"/>
               </a:ext>
             </a:extLst>
           </p:cNvPr>
@@ -2672,82 +3753,70 @@
           <a:lstStyle/>
           <a:p>
             <a:r>
-              <a:rPr lang="en-US" altLang="ko-KR" dirty="0">
-                <a:solidFill>
-                  <a:schemeClr val="tx1">
-                    <a:lumMod val="40000"/>
-                    <a:lumOff val="60000"/>
-                  </a:schemeClr>
-                </a:solidFill>
-              </a:rPr>
-              <a:t>Abstract</a:t>
-            </a:r>
-          </a:p>
-          <a:p>
-            <a:r>
-              <a:rPr lang="en-US" altLang="ko-KR" dirty="0">
-                <a:solidFill>
-                  <a:schemeClr val="tx1">
-                    <a:lumMod val="40000"/>
-                    <a:lumOff val="60000"/>
-                  </a:schemeClr>
-                </a:solidFill>
-              </a:rPr>
-              <a:t>Introduction</a:t>
-            </a:r>
-          </a:p>
-          <a:p>
-            <a:r>
-              <a:rPr lang="en-US" altLang="ko-KR" dirty="0">
-                <a:solidFill>
-                  <a:schemeClr val="tx1">
-                    <a:lumMod val="40000"/>
-                    <a:lumOff val="60000"/>
-                  </a:schemeClr>
-                </a:solidFill>
-              </a:rPr>
-              <a:t>Background</a:t>
-            </a:r>
-          </a:p>
-          <a:p>
-            <a:r>
-              <a:rPr lang="en-US" altLang="ko-KR" dirty="0"/>
-              <a:t>Enhancing TF Lite Capabilities with Continual Learning</a:t>
-            </a:r>
-          </a:p>
-          <a:p>
-            <a:r>
-              <a:rPr lang="en-US" altLang="ko-KR" dirty="0">
-                <a:solidFill>
-                  <a:schemeClr val="tx1">
-                    <a:lumMod val="40000"/>
-                    <a:lumOff val="60000"/>
-                  </a:schemeClr>
-                </a:solidFill>
-              </a:rPr>
-              <a:t>Deploying on Embedded Devices with TF Lite</a:t>
-            </a:r>
-          </a:p>
-          <a:p>
-            <a:r>
-              <a:rPr lang="en-US" altLang="ko-KR" dirty="0">
-                <a:solidFill>
-                  <a:schemeClr val="tx1">
-                    <a:lumMod val="40000"/>
-                    <a:lumOff val="60000"/>
-                  </a:schemeClr>
-                </a:solidFill>
-              </a:rPr>
-              <a:t>Conclusion</a:t>
-            </a:r>
-            <a:endParaRPr lang="ko-KR" altLang="en-US" dirty="0">
-              <a:solidFill>
-                <a:schemeClr val="tx1">
-                  <a:lumMod val="40000"/>
-                  <a:lumOff val="60000"/>
-                </a:schemeClr>
-              </a:solidFill>
-            </a:endParaRPr>
+              <a:rPr lang="en-US" altLang="ko-KR" dirty="0"/>
+              <a:t>TF Lite</a:t>
+            </a:r>
+            <a:r>
+              <a:rPr lang="ko-KR" altLang="en-US" dirty="0"/>
+              <a:t>는 현재 </a:t>
+            </a:r>
+            <a:r>
+              <a:rPr lang="en-US" altLang="ko-KR" dirty="0"/>
+              <a:t>On-Device</a:t>
+            </a:r>
+            <a:r>
+              <a:rPr lang="ko-KR" altLang="en-US" dirty="0"/>
+              <a:t>에서 전이학습</a:t>
+            </a:r>
+            <a:r>
+              <a:rPr lang="en-US" altLang="ko-KR" dirty="0"/>
+              <a:t>(Transfer Learning, TL)</a:t>
+            </a:r>
+            <a:r>
+              <a:rPr lang="ko-KR" altLang="en-US" dirty="0"/>
+              <a:t>을 제공하여 모델을 개인화 하는 것에 초점을 맞추어 져 있다</a:t>
+            </a:r>
+            <a:r>
+              <a:rPr lang="en-US" altLang="ko-KR" dirty="0"/>
+              <a:t>. </a:t>
+            </a:r>
+          </a:p>
+          <a:p>
+            <a:r>
+              <a:rPr lang="ko-KR" altLang="en-US" dirty="0"/>
+              <a:t>전이 학습은 적은 수의 샘플로 새로운 클래스를 학습하는 데 높은 성능을 보여준다</a:t>
+            </a:r>
+            <a:r>
+              <a:rPr lang="en-US" altLang="ko-KR" dirty="0"/>
+              <a:t>. </a:t>
+            </a:r>
+          </a:p>
+          <a:p>
+            <a:r>
+              <a:rPr lang="ko-KR" altLang="en-US" dirty="0"/>
+              <a:t>하지만 모든 클래스의 데이터가 훈련 배치에 존재하지 않으면 </a:t>
+            </a:r>
+            <a:r>
+              <a:rPr lang="en-US" altLang="ko-KR" dirty="0"/>
+              <a:t>catastrophic </a:t>
+            </a:r>
+            <a:r>
+              <a:rPr lang="ko-KR" altLang="en-US" dirty="0"/>
+              <a:t> </a:t>
+            </a:r>
+            <a:r>
+              <a:rPr lang="en-US" altLang="ko-KR" dirty="0"/>
+              <a:t>forgetting </a:t>
+            </a:r>
+            <a:r>
+              <a:rPr lang="ko-KR" altLang="en-US" dirty="0"/>
+              <a:t>문제를 겪는다</a:t>
+            </a:r>
+            <a:r>
+              <a:rPr lang="en-US" altLang="ko-KR" dirty="0"/>
+              <a:t>. </a:t>
+            </a:r>
+            <a:endParaRPr lang="ko-KR" altLang="en-US" dirty="0"/>
           </a:p>
         </p:txBody>
       </p:sp>
@@ -2756,7 +3825,7 @@
           <p:cNvPr id="4" name="슬라이드 번호 개체 틀 3">
             <a:extLst>
               <a:ext uri="{FF2B5EF4-FFF2-40B4-BE49-F238E27FC236}">
-                <a16:creationId xmlns:a16="http://schemas.microsoft.com/office/drawing/2014/main" id="{4374A52E-F8FC-4C14-90F7-B297F49C50E6}"/>
+                <a16:creationId xmlns:a16="http://schemas.microsoft.com/office/drawing/2014/main" id="{780EFD32-E509-4773-BE09-93DF84F11D5E}"/>
               </a:ext>
             </a:extLst>
           </p:cNvPr>
@@ -2784,7 +3853,7 @@
     </p:spTree>
     <p:extLst>
       <p:ext uri="{BB962C8B-B14F-4D97-AF65-F5344CB8AC3E}">
-        <p14:creationId xmlns:p14="http://schemas.microsoft.com/office/powerpoint/2010/main" val="625736324"/>
+        <p14:creationId xmlns:p14="http://schemas.microsoft.com/office/powerpoint/2010/main" val="3741152482"/>
       </p:ext>
     </p:extLst>
   </p:cSld>
@@ -2816,7 +3885,7 @@
           <p:cNvPr id="2" name="제목 1">
             <a:extLst>
               <a:ext uri="{FF2B5EF4-FFF2-40B4-BE49-F238E27FC236}">
-                <a16:creationId xmlns:a16="http://schemas.microsoft.com/office/drawing/2014/main" id="{3208F122-431F-4412-8E63-433C2293F69F}"/>
+                <a16:creationId xmlns:a16="http://schemas.microsoft.com/office/drawing/2014/main" id="{9EC27F37-A296-410A-8B9B-39B3DEE75633}"/>
               </a:ext>
             </a:extLst>
           </p:cNvPr>
@@ -2834,7 +3903,7 @@
           <a:p>
             <a:r>
               <a:rPr lang="en-US" altLang="ko-KR" dirty="0"/>
-              <a:t>Contents</a:t>
+              <a:t>Continual Learning</a:t>
             </a:r>
             <a:endParaRPr lang="ko-KR" altLang="en-US" dirty="0"/>
           </a:p>
@@ -2845,7 +3914,7 @@
           <p:cNvPr id="3" name="내용 개체 틀 2">
             <a:extLst>
               <a:ext uri="{FF2B5EF4-FFF2-40B4-BE49-F238E27FC236}">
-                <a16:creationId xmlns:a16="http://schemas.microsoft.com/office/drawing/2014/main" id="{158AE47C-D60C-4F33-AEE2-647CBAF7D740}"/>
+                <a16:creationId xmlns:a16="http://schemas.microsoft.com/office/drawing/2014/main" id="{D00AA461-1046-4004-A977-7C944CE4091F}"/>
               </a:ext>
             </a:extLst>
           </p:cNvPr>
@@ -2862,82 +3931,98 @@
           <a:lstStyle/>
           <a:p>
             <a:r>
-              <a:rPr lang="en-US" altLang="ko-KR" dirty="0">
-                <a:solidFill>
-                  <a:schemeClr val="tx1">
-                    <a:lumMod val="40000"/>
-                    <a:lumOff val="60000"/>
-                  </a:schemeClr>
-                </a:solidFill>
-              </a:rPr>
-              <a:t>Abstract</a:t>
-            </a:r>
-          </a:p>
-          <a:p>
-            <a:r>
-              <a:rPr lang="en-US" altLang="ko-KR" dirty="0">
-                <a:solidFill>
-                  <a:schemeClr val="tx1">
-                    <a:lumMod val="40000"/>
-                    <a:lumOff val="60000"/>
-                  </a:schemeClr>
-                </a:solidFill>
-              </a:rPr>
-              <a:t>Introduction</a:t>
-            </a:r>
-          </a:p>
-          <a:p>
-            <a:r>
-              <a:rPr lang="en-US" altLang="ko-KR" dirty="0">
-                <a:solidFill>
-                  <a:schemeClr val="tx1">
-                    <a:lumMod val="40000"/>
-                    <a:lumOff val="60000"/>
-                  </a:schemeClr>
-                </a:solidFill>
-              </a:rPr>
-              <a:t>Background</a:t>
-            </a:r>
-          </a:p>
-          <a:p>
-            <a:r>
-              <a:rPr lang="en-US" altLang="ko-KR" dirty="0">
-                <a:solidFill>
-                  <a:schemeClr val="tx1">
-                    <a:lumMod val="40000"/>
-                    <a:lumOff val="60000"/>
-                  </a:schemeClr>
-                </a:solidFill>
-              </a:rPr>
-              <a:t>Enhancing TF Lite Capabilities with Continual Learning</a:t>
-            </a:r>
-          </a:p>
-          <a:p>
-            <a:r>
-              <a:rPr lang="en-US" altLang="ko-KR" dirty="0"/>
-              <a:t>Deploying on Embedded Devices with TF Lite</a:t>
-            </a:r>
-          </a:p>
-          <a:p>
-            <a:r>
-              <a:rPr lang="en-US" altLang="ko-KR" dirty="0">
-                <a:solidFill>
-                  <a:schemeClr val="tx1">
-                    <a:lumMod val="40000"/>
-                    <a:lumOff val="60000"/>
-                  </a:schemeClr>
-                </a:solidFill>
-              </a:rPr>
-              <a:t>Conclusion</a:t>
-            </a:r>
-            <a:endParaRPr lang="ko-KR" altLang="en-US" dirty="0">
-              <a:solidFill>
-                <a:schemeClr val="tx1">
-                  <a:lumMod val="40000"/>
-                  <a:lumOff val="60000"/>
-                </a:schemeClr>
-              </a:solidFill>
-            </a:endParaRPr>
+              <a:rPr lang="ko-KR" altLang="en-US" dirty="0"/>
+              <a:t>현실의 시나리오는 대부분 새로운 클래스를 점진적으로 학습해야 하고</a:t>
+            </a:r>
+            <a:r>
+              <a:rPr lang="en-US" altLang="ko-KR" dirty="0"/>
+              <a:t>, </a:t>
+            </a:r>
+            <a:r>
+              <a:rPr lang="ko-KR" altLang="en-US" dirty="0"/>
+              <a:t>따라서 전이학습으로 만들어진 모델은 실제 사용에 적합하지 않다</a:t>
+            </a:r>
+            <a:r>
+              <a:rPr lang="en-US" altLang="ko-KR" dirty="0"/>
+              <a:t>.</a:t>
+            </a:r>
+          </a:p>
+          <a:p>
+            <a:r>
+              <a:rPr lang="ko-KR" altLang="en-US" dirty="0"/>
+              <a:t>연속학습</a:t>
+            </a:r>
+            <a:r>
+              <a:rPr lang="en-US" altLang="ko-KR" dirty="0"/>
+              <a:t>(Continual Learning, CL) </a:t>
+            </a:r>
+            <a:r>
+              <a:rPr lang="ko-KR" altLang="en-US" dirty="0"/>
+              <a:t>은 점진적으로 계속 학습을 할 수 있고</a:t>
+            </a:r>
+            <a:r>
+              <a:rPr lang="en-US" altLang="ko-KR" dirty="0"/>
+              <a:t>, </a:t>
+            </a:r>
+            <a:r>
+              <a:rPr lang="ko-KR" altLang="en-US" dirty="0"/>
+              <a:t>따라서 </a:t>
+            </a:r>
+            <a:r>
+              <a:rPr lang="en-US" altLang="ko-KR" dirty="0"/>
+              <a:t>catastrophic forgetting</a:t>
+            </a:r>
+            <a:r>
+              <a:rPr lang="ko-KR" altLang="en-US" dirty="0"/>
+              <a:t>의 해결책으로 주목받고 있다</a:t>
+            </a:r>
+            <a:r>
+              <a:rPr lang="en-US" altLang="ko-KR" dirty="0"/>
+              <a:t>. </a:t>
+            </a:r>
+          </a:p>
+          <a:p>
+            <a:r>
+              <a:rPr lang="ko-KR" altLang="en-US" dirty="0"/>
+              <a:t>연속학습에 대한 검증</a:t>
+            </a:r>
+            <a:r>
+              <a:rPr lang="en-US" altLang="ko-KR" dirty="0"/>
+              <a:t>, </a:t>
+            </a:r>
+            <a:r>
+              <a:rPr lang="ko-KR" altLang="en-US" dirty="0"/>
+              <a:t>벤치마킹 등에 대한 많은 연구가 있지만</a:t>
+            </a:r>
+            <a:r>
+              <a:rPr lang="en-US" altLang="ko-KR" dirty="0"/>
+              <a:t>, </a:t>
+            </a:r>
+            <a:r>
+              <a:rPr lang="ko-KR" altLang="en-US" dirty="0"/>
+              <a:t>임베디드 장치에 접목하는 연구는 매우 소수이고</a:t>
+            </a:r>
+            <a:r>
+              <a:rPr lang="en-US" altLang="ko-KR" dirty="0"/>
+              <a:t>, </a:t>
+            </a:r>
+            <a:r>
+              <a:rPr lang="ko-KR" altLang="en-US" dirty="0"/>
+              <a:t>특히 휴대전화에 </a:t>
+            </a:r>
+            <a:r>
+              <a:rPr lang="en-US" altLang="ko-KR" dirty="0"/>
+              <a:t>TF Lite</a:t>
+            </a:r>
+            <a:r>
+              <a:rPr lang="ko-KR" altLang="en-US" dirty="0"/>
+              <a:t>를 통한 연속 학습에 대한 연구는 없다</a:t>
+            </a:r>
+            <a:r>
+              <a:rPr lang="en-US" altLang="ko-KR" dirty="0"/>
+              <a:t>.</a:t>
+            </a:r>
+            <a:endParaRPr lang="ko-KR" altLang="en-US" dirty="0"/>
           </a:p>
         </p:txBody>
       </p:sp>
@@ -2946,7 +4031,7 @@
           <p:cNvPr id="4" name="슬라이드 번호 개체 틀 3">
             <a:extLst>
               <a:ext uri="{FF2B5EF4-FFF2-40B4-BE49-F238E27FC236}">
-                <a16:creationId xmlns:a16="http://schemas.microsoft.com/office/drawing/2014/main" id="{4374A52E-F8FC-4C14-90F7-B297F49C50E6}"/>
+                <a16:creationId xmlns:a16="http://schemas.microsoft.com/office/drawing/2014/main" id="{1E9D4466-CE5D-48FD-BC8B-52CF3FEAFF57}"/>
               </a:ext>
             </a:extLst>
           </p:cNvPr>
@@ -2974,7 +4059,7 @@
     </p:spTree>
     <p:extLst>
       <p:ext uri="{BB962C8B-B14F-4D97-AF65-F5344CB8AC3E}">
-        <p14:creationId xmlns:p14="http://schemas.microsoft.com/office/powerpoint/2010/main" val="2887151323"/>
+        <p14:creationId xmlns:p14="http://schemas.microsoft.com/office/powerpoint/2010/main" val="840789826"/>
       </p:ext>
     </p:extLst>
   </p:cSld>
@@ -3006,6 +4091,186 @@
           <p:cNvPr id="2" name="제목 1">
             <a:extLst>
               <a:ext uri="{FF2B5EF4-FFF2-40B4-BE49-F238E27FC236}">
+                <a16:creationId xmlns:a16="http://schemas.microsoft.com/office/drawing/2014/main" id="{A5C1AB81-9B50-48B7-AC6A-2C6E93A76D00}"/>
+              </a:ext>
+            </a:extLst>
+          </p:cNvPr>
+          <p:cNvSpPr>
+            <a:spLocks noGrp="1"/>
+          </p:cNvSpPr>
+          <p:nvPr>
+            <p:ph type="title"/>
+          </p:nvPr>
+        </p:nvSpPr>
+        <p:spPr/>
+        <p:txBody>
+          <a:bodyPr/>
+          <a:lstStyle/>
+          <a:p>
+            <a:r>
+              <a:rPr lang="en-US" altLang="ko-KR" dirty="0"/>
+              <a:t>Contributions</a:t>
+            </a:r>
+            <a:endParaRPr lang="ko-KR" altLang="en-US" dirty="0"/>
+          </a:p>
+        </p:txBody>
+      </p:sp>
+      <p:sp>
+        <p:nvSpPr>
+          <p:cNvPr id="3" name="내용 개체 틀 2">
+            <a:extLst>
+              <a:ext uri="{FF2B5EF4-FFF2-40B4-BE49-F238E27FC236}">
+                <a16:creationId xmlns:a16="http://schemas.microsoft.com/office/drawing/2014/main" id="{4E3B57D2-C4D5-424C-9F05-428FC17995DE}"/>
+              </a:ext>
+            </a:extLst>
+          </p:cNvPr>
+          <p:cNvSpPr>
+            <a:spLocks noGrp="1"/>
+          </p:cNvSpPr>
+          <p:nvPr>
+            <p:ph idx="1"/>
+          </p:nvPr>
+        </p:nvSpPr>
+        <p:spPr/>
+        <p:txBody>
+          <a:bodyPr/>
+          <a:lstStyle/>
+          <a:p>
+            <a:r>
+              <a:rPr lang="en-US" altLang="ko-KR" dirty="0"/>
+              <a:t>replay buffer </a:t>
+            </a:r>
+            <a:r>
+              <a:rPr lang="ko-KR" altLang="en-US" dirty="0"/>
+              <a:t>를 통한 연속 학습 기능을 도입하여 </a:t>
+            </a:r>
+            <a:r>
+              <a:rPr lang="en-US" altLang="ko-KR" dirty="0"/>
+              <a:t>TF Lite</a:t>
+            </a:r>
+            <a:r>
+              <a:rPr lang="ko-KR" altLang="en-US" dirty="0"/>
+              <a:t>의 기능을 확장한다</a:t>
+            </a:r>
+            <a:r>
+              <a:rPr lang="en-US" altLang="ko-KR" dirty="0"/>
+              <a:t>. </a:t>
+            </a:r>
+          </a:p>
+          <a:p>
+            <a:r>
+              <a:rPr lang="ko-KR" altLang="en-US" dirty="0"/>
+              <a:t>직접 개발한 어플리케이션에서 다양한 시나리오 하에 </a:t>
+            </a:r>
+            <a:r>
+              <a:rPr lang="en-US" altLang="ko-KR" dirty="0"/>
+              <a:t>TL</a:t>
+            </a:r>
+            <a:r>
+              <a:rPr lang="ko-KR" altLang="en-US" dirty="0"/>
+              <a:t>과 </a:t>
+            </a:r>
+            <a:r>
+              <a:rPr lang="en-US" altLang="ko-KR" dirty="0"/>
+              <a:t>CL </a:t>
+            </a:r>
+            <a:r>
+              <a:rPr lang="ko-KR" altLang="en-US" dirty="0"/>
+              <a:t>모델을 테스트하여 </a:t>
+            </a:r>
+            <a:r>
+              <a:rPr lang="en-US" altLang="ko-KR" dirty="0"/>
+              <a:t>CL</a:t>
+            </a:r>
+            <a:r>
+              <a:rPr lang="ko-KR" altLang="en-US" dirty="0"/>
+              <a:t>의 우수성과 필요성을 증명한다</a:t>
+            </a:r>
+            <a:r>
+              <a:rPr lang="en-US" altLang="ko-KR" dirty="0"/>
+              <a:t>.</a:t>
+            </a:r>
+          </a:p>
+          <a:p>
+            <a:r>
+              <a:rPr lang="ko-KR" altLang="en-US" dirty="0"/>
+              <a:t>해당 어플리케이션의 소스코드를 공개한다</a:t>
+            </a:r>
+            <a:r>
+              <a:rPr lang="en-US" altLang="ko-KR" dirty="0"/>
+              <a:t>.</a:t>
+            </a:r>
+          </a:p>
+          <a:p>
+            <a:endParaRPr lang="ko-KR" altLang="en-US" dirty="0"/>
+          </a:p>
+        </p:txBody>
+      </p:sp>
+      <p:sp>
+        <p:nvSpPr>
+          <p:cNvPr id="4" name="슬라이드 번호 개체 틀 3">
+            <a:extLst>
+              <a:ext uri="{FF2B5EF4-FFF2-40B4-BE49-F238E27FC236}">
+                <a16:creationId xmlns:a16="http://schemas.microsoft.com/office/drawing/2014/main" id="{08C467E9-F050-4EFD-AFB6-B76A539BFE77}"/>
+              </a:ext>
+            </a:extLst>
+          </p:cNvPr>
+          <p:cNvSpPr>
+            <a:spLocks noGrp="1"/>
+          </p:cNvSpPr>
+          <p:nvPr>
+            <p:ph type="sldNum" sz="quarter" idx="4"/>
+          </p:nvPr>
+        </p:nvSpPr>
+        <p:spPr/>
+        <p:txBody>
+          <a:bodyPr/>
+          <a:lstStyle/>
+          <a:p>
+            <a:fld id="{765CECA1-5C9B-4693-A1BD-3F65156FCD02}" type="slidenum">
+              <a:rPr lang="ko-KR" altLang="en-US" smtClean="0"/>
+              <a:pPr/>
+              <a:t>8</a:t>
+            </a:fld>
+            <a:endParaRPr lang="ko-KR" altLang="en-US" dirty="0"/>
+          </a:p>
+        </p:txBody>
+      </p:sp>
+    </p:spTree>
+    <p:extLst>
+      <p:ext uri="{BB962C8B-B14F-4D97-AF65-F5344CB8AC3E}">
+        <p14:creationId xmlns:p14="http://schemas.microsoft.com/office/powerpoint/2010/main" val="1362819530"/>
+      </p:ext>
+    </p:extLst>
+  </p:cSld>
+  <p:clrMapOvr>
+    <a:masterClrMapping/>
+  </p:clrMapOvr>
+</p:sld>
+</file>
+
+<file path=ppt/slides/slide9.xml><?xml version="1.0" encoding="utf-8"?>
+<p:sld xmlns:a="http://schemas.openxmlformats.org/drawingml/2006/main" xmlns:r="http://schemas.openxmlformats.org/officeDocument/2006/relationships" xmlns:p="http://schemas.openxmlformats.org/presentationml/2006/main">
+  <p:cSld>
+    <p:spTree>
+      <p:nvGrpSpPr>
+        <p:cNvPr id="1" name=""/>
+        <p:cNvGrpSpPr/>
+        <p:nvPr/>
+      </p:nvGrpSpPr>
+      <p:grpSpPr>
+        <a:xfrm>
+          <a:off x="0" y="0"/>
+          <a:ext cx="0" cy="0"/>
+          <a:chOff x="0" y="0"/>
+          <a:chExt cx="0" cy="0"/>
+        </a:xfrm>
+      </p:grpSpPr>
+      <p:sp>
+        <p:nvSpPr>
+          <p:cNvPr id="2" name="제목 1">
+            <a:extLst>
+              <a:ext uri="{FF2B5EF4-FFF2-40B4-BE49-F238E27FC236}">
                 <a16:creationId xmlns:a16="http://schemas.microsoft.com/office/drawing/2014/main" id="{3208F122-431F-4412-8E63-433C2293F69F}"/>
               </a:ext>
             </a:extLst>
@@ -3078,6 +4343,12 @@
           </a:p>
           <a:p>
             <a:r>
+              <a:rPr lang="en-US" altLang="ko-KR" dirty="0"/>
+              <a:t>Background</a:t>
+            </a:r>
+          </a:p>
+          <a:p>
+            <a:r>
               <a:rPr lang="en-US" altLang="ko-KR" dirty="0">
                 <a:solidFill>
                   <a:schemeClr val="tx1">
@@ -3086,7 +4357,7 @@
                   </a:schemeClr>
                 </a:solidFill>
               </a:rPr>
-              <a:t>Background</a:t>
+              <a:t>Enhancing TF Lite Capabilities with Continual Learning</a:t>
             </a:r>
           </a:p>
           <a:p>
@@ -3099,7 +4370,7 @@
                   </a:schemeClr>
                 </a:solidFill>
               </a:rPr>
-              <a:t>Enhancing TF Lite Capabilities with Continual Learning</a:t>
+              <a:t>Deploying on Embedded Devices with TF Lite</a:t>
             </a:r>
           </a:p>
           <a:p>
@@ -3112,15 +4383,16 @@
                   </a:schemeClr>
                 </a:solidFill>
               </a:rPr>
-              <a:t>Deploying on Embedded Devices with TF Lite</a:t>
-            </a:r>
-          </a:p>
-          <a:p>
-            <a:r>
-              <a:rPr lang="en-US" altLang="ko-KR" dirty="0"/>
               <a:t>Conclusion</a:t>
             </a:r>
-            <a:endParaRPr lang="ko-KR" altLang="en-US" dirty="0"/>
+            <a:endParaRPr lang="ko-KR" altLang="en-US" dirty="0">
+              <a:solidFill>
+                <a:schemeClr val="tx1">
+                  <a:lumMod val="40000"/>
+                  <a:lumOff val="60000"/>
+                </a:schemeClr>
+              </a:solidFill>
+            </a:endParaRPr>
           </a:p>
         </p:txBody>
       </p:sp>
@@ -3148,7 +4420,7 @@
             <a:fld id="{765CECA1-5C9B-4693-A1BD-3F65156FCD02}" type="slidenum">
               <a:rPr lang="ko-KR" altLang="en-US" smtClean="0"/>
               <a:pPr/>
-              <a:t>8</a:t>
+              <a:t>9</a:t>
             </a:fld>
             <a:endParaRPr lang="ko-KR" altLang="en-US" dirty="0"/>
           </a:p>
@@ -3157,7 +4429,7 @@
     </p:spTree>
     <p:extLst>
       <p:ext uri="{BB962C8B-B14F-4D97-AF65-F5344CB8AC3E}">
-        <p14:creationId xmlns:p14="http://schemas.microsoft.com/office/powerpoint/2010/main" val="4097164862"/>
+        <p14:creationId xmlns:p14="http://schemas.microsoft.com/office/powerpoint/2010/main" val="1546285156"/>
       </p:ext>
     </p:extLst>
   </p:cSld>
